--- a/presentations/1 - WiFi Background.pptx
+++ b/presentations/1 - WiFi Background.pptx
@@ -1953,7 +1953,7 @@
           <a:p>
             <a:fld id="{8D72D495-AFBC-D049-9D2A-D4CC16EF0503}" type="datetimeFigureOut">
               <a:rPr lang="en-US" smtClean="0"/>
-              <a:t>9/30/22</a:t>
+              <a:t>10/5/22</a:t>
             </a:fld>
             <a:endParaRPr lang="en-US"/>
           </a:p>
@@ -13675,7 +13675,7 @@
         </p:spPr>
         <p:txBody>
           <a:bodyPr>
-            <a:normAutofit fontScale="92500" lnSpcReduction="20000"/>
+            <a:normAutofit fontScale="85000" lnSpcReduction="10000"/>
           </a:bodyPr>
           <a:lstStyle/>
           <a:p>
@@ -13712,6 +13712,22 @@
             <a:r>
               <a:rPr lang="en-US" dirty="0"/>
               <a:t>Current research: developing network management strategies using artificial intelligence and machine learning. </a:t>
+            </a:r>
+          </a:p>
+          <a:p>
+            <a:r>
+              <a:rPr lang="en-US" dirty="0"/>
+              <a:t>Email: </a:t>
+            </a:r>
+            <a:r>
+              <a:rPr lang="en-US" dirty="0">
+                <a:hlinkClick r:id="rId2"/>
+              </a:rPr>
+              <a:t>paola.soto-arenas@uantwerpen.be</a:t>
+            </a:r>
+            <a:r>
+              <a:rPr lang="en-US" dirty="0"/>
+              <a:t> </a:t>
             </a:r>
           </a:p>
         </p:txBody>
@@ -13860,7 +13876,21 @@
                 <a:latin typeface="+mn-lt"/>
                 <a:cs typeface="Times New Roman" panose="02020603050405020304" pitchFamily="18" charset="0"/>
               </a:rPr>
-              <a:t>leads the research tack on applied artificial intelligence in networking. </a:t>
+              <a:t>leads the </a:t>
+            </a:r>
+            <a:r>
+              <a:rPr lang="en-US">
+                <a:latin typeface="+mn-lt"/>
+                <a:cs typeface="Times New Roman" panose="02020603050405020304" pitchFamily="18" charset="0"/>
+              </a:rPr>
+              <a:t>research track </a:t>
+            </a:r>
+            <a:r>
+              <a:rPr lang="en-US" dirty="0">
+                <a:latin typeface="+mn-lt"/>
+                <a:cs typeface="Times New Roman" panose="02020603050405020304" pitchFamily="18" charset="0"/>
+              </a:rPr>
+              <a:t>on applied artificial intelligence in networking. </a:t>
             </a:r>
           </a:p>
         </p:txBody>
@@ -13880,7 +13910,7 @@
           <p:nvPr/>
         </p:nvPicPr>
         <p:blipFill>
-          <a:blip r:embed="rId2"/>
+          <a:blip r:embed="rId3"/>
           <a:stretch>
             <a:fillRect/>
           </a:stretch>
@@ -13910,7 +13940,7 @@
           <p:nvPr/>
         </p:nvPicPr>
         <p:blipFill>
-          <a:blip r:embed="rId3"/>
+          <a:blip r:embed="rId4"/>
           <a:stretch>
             <a:fillRect/>
           </a:stretch>
